--- a/Machine-Learning/MACHINE LEARNING.pptx
+++ b/Machine-Learning/MACHINE LEARNING.pptx
@@ -239,7 +239,7 @@
           <a:p>
             <a:fld id="{30E6E22E-288A-414B-A8DE-E4DBD03D5FC0}" type="datetimeFigureOut">
               <a:rPr lang="en-US"/>
-              <a:t>5/17/2023</a:t>
+              <a:t>6/12/2023</a:t>
             </a:fld>
             <a:endParaRPr dirty="0"/>
           </a:p>
@@ -404,7 +404,7 @@
           <a:p>
             <a:fld id="{39A9AE7E-E0F9-4C51-AD9A-F4C3A6E23BBF}" type="datetimeFigureOut">
               <a:rPr lang="en-US"/>
-              <a:t>5/17/2023</a:t>
+              <a:t>6/12/2023</a:t>
             </a:fld>
             <a:endParaRPr dirty="0"/>
           </a:p>
@@ -7227,7 +7227,7 @@
           <a:p>
             <a:r>
               <a:rPr lang="en-US" dirty="0"/>
-              <a:t>Doran academy</a:t>
+              <a:t>Gando Tech</a:t>
             </a:r>
           </a:p>
         </p:txBody>
@@ -7539,13 +7539,13 @@
   <p:clrMapOvr>
     <a:masterClrMapping/>
   </p:clrMapOvr>
-  <mc:AlternateContent xmlns:mc="http://schemas.openxmlformats.org/markup-compatibility/2006">
-    <mc:Choice xmlns:p14="http://schemas.microsoft.com/office/powerpoint/2010/main" Requires="p14">
+  <mc:AlternateContent xmlns:mc="http://schemas.openxmlformats.org/markup-compatibility/2006" xmlns:p14="http://schemas.microsoft.com/office/powerpoint/2010/main">
+    <mc:Choice Requires="p14">
       <p:transition spd="med" p14:dur="700">
         <p:fade/>
       </p:transition>
     </mc:Choice>
-    <mc:Fallback>
+    <mc:Fallback xmlns="">
       <p:transition spd="med">
         <p:fade/>
       </p:transition>
@@ -7630,7 +7630,7 @@
           <a:p>
             <a:r>
               <a:rPr lang="en-US" dirty="0"/>
-              <a:t>Doran academy</a:t>
+              <a:t>Gando Tech</a:t>
             </a:r>
           </a:p>
         </p:txBody>
@@ -7906,13 +7906,13 @@
   <p:clrMapOvr>
     <a:masterClrMapping/>
   </p:clrMapOvr>
-  <mc:AlternateContent xmlns:mc="http://schemas.openxmlformats.org/markup-compatibility/2006">
-    <mc:Choice xmlns:p14="http://schemas.microsoft.com/office/powerpoint/2010/main" Requires="p14">
+  <mc:AlternateContent xmlns:mc="http://schemas.openxmlformats.org/markup-compatibility/2006" xmlns:p14="http://schemas.microsoft.com/office/powerpoint/2010/main">
+    <mc:Choice Requires="p14">
       <p:transition spd="med" p14:dur="700">
         <p:fade/>
       </p:transition>
     </mc:Choice>
-    <mc:Fallback>
+    <mc:Fallback xmlns="">
       <p:transition spd="med">
         <p:fade/>
       </p:transition>
@@ -7997,7 +7997,7 @@
           <a:p>
             <a:r>
               <a:rPr lang="en-US" dirty="0"/>
-              <a:t>Doran academy</a:t>
+              <a:t>Gando Tech</a:t>
             </a:r>
           </a:p>
         </p:txBody>
@@ -8292,13 +8292,13 @@
   <p:clrMapOvr>
     <a:masterClrMapping/>
   </p:clrMapOvr>
-  <mc:AlternateContent xmlns:mc="http://schemas.openxmlformats.org/markup-compatibility/2006">
-    <mc:Choice xmlns:p14="http://schemas.microsoft.com/office/powerpoint/2010/main" Requires="p14">
+  <mc:AlternateContent xmlns:mc="http://schemas.openxmlformats.org/markup-compatibility/2006" xmlns:p14="http://schemas.microsoft.com/office/powerpoint/2010/main">
+    <mc:Choice Requires="p14">
       <p:transition spd="med" p14:dur="700">
         <p:fade/>
       </p:transition>
     </mc:Choice>
-    <mc:Fallback>
+    <mc:Fallback xmlns="">
       <p:transition spd="med">
         <p:fade/>
       </p:transition>
@@ -8383,7 +8383,7 @@
           <a:p>
             <a:r>
               <a:rPr lang="en-US" dirty="0"/>
-              <a:t>Doran academy</a:t>
+              <a:t>Gando Tech</a:t>
             </a:r>
           </a:p>
         </p:txBody>
@@ -8690,13 +8690,13 @@
   <p:clrMapOvr>
     <a:masterClrMapping/>
   </p:clrMapOvr>
-  <mc:AlternateContent xmlns:mc="http://schemas.openxmlformats.org/markup-compatibility/2006">
-    <mc:Choice xmlns:p14="http://schemas.microsoft.com/office/powerpoint/2010/main" Requires="p14">
+  <mc:AlternateContent xmlns:mc="http://schemas.openxmlformats.org/markup-compatibility/2006" xmlns:p14="http://schemas.microsoft.com/office/powerpoint/2010/main">
+    <mc:Choice Requires="p14">
       <p:transition spd="med" p14:dur="700">
         <p:fade/>
       </p:transition>
     </mc:Choice>
-    <mc:Fallback>
+    <mc:Fallback xmlns="">
       <p:transition spd="med">
         <p:fade/>
       </p:transition>
@@ -10639,7 +10639,7 @@
           <a:p>
             <a:r>
               <a:rPr lang="en-US" dirty="0"/>
-              <a:t>Doran academy</a:t>
+              <a:t>Gando Tech</a:t>
             </a:r>
           </a:p>
         </p:txBody>
@@ -10911,7 +10911,7 @@
           <a:p>
             <a:r>
               <a:rPr lang="en-US" dirty="0"/>
-              <a:t>Doran academy</a:t>
+              <a:t>Gando Tech</a:t>
             </a:r>
           </a:p>
         </p:txBody>
@@ -11111,13 +11111,13 @@
   <p:clrMapOvr>
     <a:masterClrMapping/>
   </p:clrMapOvr>
-  <mc:AlternateContent xmlns:mc="http://schemas.openxmlformats.org/markup-compatibility/2006">
-    <mc:Choice xmlns:p14="http://schemas.microsoft.com/office/powerpoint/2010/main" Requires="p14">
+  <mc:AlternateContent xmlns:mc="http://schemas.openxmlformats.org/markup-compatibility/2006" xmlns:p14="http://schemas.microsoft.com/office/powerpoint/2010/main">
+    <mc:Choice Requires="p14">
       <p:transition spd="med" p14:dur="700">
         <p:fade/>
       </p:transition>
     </mc:Choice>
-    <mc:Fallback>
+    <mc:Fallback xmlns="">
       <p:transition spd="med">
         <p:fade/>
       </p:transition>
@@ -11202,7 +11202,7 @@
           <a:p>
             <a:r>
               <a:rPr lang="en-US" dirty="0"/>
-              <a:t>Doran academy</a:t>
+              <a:t>Gando Tech</a:t>
             </a:r>
           </a:p>
         </p:txBody>
@@ -11478,13 +11478,13 @@
   <p:clrMapOvr>
     <a:masterClrMapping/>
   </p:clrMapOvr>
-  <mc:AlternateContent xmlns:mc="http://schemas.openxmlformats.org/markup-compatibility/2006">
-    <mc:Choice xmlns:p14="http://schemas.microsoft.com/office/powerpoint/2010/main" Requires="p14">
+  <mc:AlternateContent xmlns:mc="http://schemas.openxmlformats.org/markup-compatibility/2006" xmlns:p14="http://schemas.microsoft.com/office/powerpoint/2010/main">
+    <mc:Choice Requires="p14">
       <p:transition spd="med" p14:dur="700">
         <p:fade/>
       </p:transition>
     </mc:Choice>
-    <mc:Fallback>
+    <mc:Fallback xmlns="">
       <p:transition spd="med">
         <p:fade/>
       </p:transition>
@@ -11569,7 +11569,7 @@
           <a:p>
             <a:r>
               <a:rPr lang="en-US" dirty="0"/>
-              <a:t>Doran academy</a:t>
+              <a:t>Gando Tech</a:t>
             </a:r>
           </a:p>
         </p:txBody>
@@ -11805,13 +11805,13 @@
   <p:clrMapOvr>
     <a:masterClrMapping/>
   </p:clrMapOvr>
-  <mc:AlternateContent xmlns:mc="http://schemas.openxmlformats.org/markup-compatibility/2006">
-    <mc:Choice xmlns:p14="http://schemas.microsoft.com/office/powerpoint/2010/main" Requires="p14">
+  <mc:AlternateContent xmlns:mc="http://schemas.openxmlformats.org/markup-compatibility/2006" xmlns:p14="http://schemas.microsoft.com/office/powerpoint/2010/main">
+    <mc:Choice Requires="p14">
       <p:transition spd="med" p14:dur="700">
         <p:fade/>
       </p:transition>
     </mc:Choice>
-    <mc:Fallback>
+    <mc:Fallback xmlns="">
       <p:transition spd="med">
         <p:fade/>
       </p:transition>
@@ -11896,7 +11896,7 @@
           <a:p>
             <a:r>
               <a:rPr lang="en-US" dirty="0"/>
-              <a:t>Doran academy</a:t>
+              <a:t>Gando Tech</a:t>
             </a:r>
           </a:p>
         </p:txBody>
@@ -12170,13 +12170,13 @@
   <p:clrMapOvr>
     <a:masterClrMapping/>
   </p:clrMapOvr>
-  <mc:AlternateContent xmlns:mc="http://schemas.openxmlformats.org/markup-compatibility/2006">
-    <mc:Choice xmlns:p14="http://schemas.microsoft.com/office/powerpoint/2010/main" Requires="p14">
+  <mc:AlternateContent xmlns:mc="http://schemas.openxmlformats.org/markup-compatibility/2006" xmlns:p14="http://schemas.microsoft.com/office/powerpoint/2010/main">
+    <mc:Choice Requires="p14">
       <p:transition spd="med" p14:dur="700">
         <p:fade/>
       </p:transition>
     </mc:Choice>
-    <mc:Fallback>
+    <mc:Fallback xmlns="">
       <p:transition spd="med">
         <p:fade/>
       </p:transition>
@@ -12261,7 +12261,7 @@
           <a:p>
             <a:r>
               <a:rPr lang="en-US" dirty="0"/>
-              <a:t>Doran academy</a:t>
+              <a:t>Gando Tech</a:t>
             </a:r>
           </a:p>
         </p:txBody>
@@ -12516,13 +12516,13 @@
   <p:clrMapOvr>
     <a:masterClrMapping/>
   </p:clrMapOvr>
-  <mc:AlternateContent xmlns:mc="http://schemas.openxmlformats.org/markup-compatibility/2006">
-    <mc:Choice xmlns:p14="http://schemas.microsoft.com/office/powerpoint/2010/main" Requires="p14">
+  <mc:AlternateContent xmlns:mc="http://schemas.openxmlformats.org/markup-compatibility/2006" xmlns:p14="http://schemas.microsoft.com/office/powerpoint/2010/main">
+    <mc:Choice Requires="p14">
       <p:transition spd="med" p14:dur="700">
         <p:fade/>
       </p:transition>
     </mc:Choice>
-    <mc:Fallback>
+    <mc:Fallback xmlns="">
       <p:transition spd="med">
         <p:fade/>
       </p:transition>
@@ -12607,7 +12607,7 @@
           <a:p>
             <a:r>
               <a:rPr lang="en-US" dirty="0"/>
-              <a:t>Doran academy</a:t>
+              <a:t>Gando Tech</a:t>
             </a:r>
           </a:p>
         </p:txBody>
@@ -12900,13 +12900,13 @@
   <p:clrMapOvr>
     <a:masterClrMapping/>
   </p:clrMapOvr>
-  <mc:AlternateContent xmlns:mc="http://schemas.openxmlformats.org/markup-compatibility/2006">
-    <mc:Choice xmlns:p14="http://schemas.microsoft.com/office/powerpoint/2010/main" Requires="p14">
+  <mc:AlternateContent xmlns:mc="http://schemas.openxmlformats.org/markup-compatibility/2006" xmlns:p14="http://schemas.microsoft.com/office/powerpoint/2010/main">
+    <mc:Choice Requires="p14">
       <p:transition spd="med" p14:dur="700">
         <p:fade/>
       </p:transition>
     </mc:Choice>
-    <mc:Fallback>
+    <mc:Fallback xmlns="">
       <p:transition spd="med">
         <p:fade/>
       </p:transition>
@@ -12991,7 +12991,7 @@
           <a:p>
             <a:r>
               <a:rPr lang="en-US" dirty="0"/>
-              <a:t>Doran academy</a:t>
+              <a:t>Gando Tech</a:t>
             </a:r>
           </a:p>
         </p:txBody>
@@ -13284,13 +13284,13 @@
   <p:clrMapOvr>
     <a:masterClrMapping/>
   </p:clrMapOvr>
-  <mc:AlternateContent xmlns:mc="http://schemas.openxmlformats.org/markup-compatibility/2006">
-    <mc:Choice xmlns:p14="http://schemas.microsoft.com/office/powerpoint/2010/main" Requires="p14">
+  <mc:AlternateContent xmlns:mc="http://schemas.openxmlformats.org/markup-compatibility/2006" xmlns:p14="http://schemas.microsoft.com/office/powerpoint/2010/main">
+    <mc:Choice Requires="p14">
       <p:transition spd="med" p14:dur="700">
         <p:fade/>
       </p:transition>
     </mc:Choice>
-    <mc:Fallback>
+    <mc:Fallback xmlns="">
       <p:transition spd="med">
         <p:fade/>
       </p:transition>
@@ -14010,6 +14010,15 @@
 </file>
 
 <file path=customXml/item1.xml><?xml version="1.0" encoding="utf-8"?>
+<?mso-contentType ?>
+<FormTemplates xmlns="http://schemas.microsoft.com/sharepoint/v3/contenttype/forms">
+  <Display>DocumentLibraryForm</Display>
+  <Edit>DocumentLibraryForm</Edit>
+  <New>DocumentLibraryForm</New>
+</FormTemplates>
+</file>
+
+<file path=customXml/item2.xml><?xml version="1.0" encoding="utf-8"?>
 <ct:contentTypeSchema xmlns:ct="http://schemas.microsoft.com/office/2006/metadata/contentType" xmlns:ma="http://schemas.microsoft.com/office/2006/metadata/properties/metaAttributes" ct:_="" ma:_="" ma:contentTypeName="Document" ma:contentTypeID="0x01010079F111ED35F8CC479449609E8A0923A6" ma:contentTypeVersion="26" ma:contentTypeDescription="Create a new document." ma:contentTypeScope="" ma:versionID="ac37c1753acd5e330d2062ccec26ea66">
   <xsd:schema xmlns:xsd="http://www.w3.org/2001/XMLSchema" xmlns:xs="http://www.w3.org/2001/XMLSchema" xmlns:p="http://schemas.microsoft.com/office/2006/metadata/properties" xmlns:ns1="http://schemas.microsoft.com/sharepoint/v3" xmlns:ns2="71af3243-3dd4-4a8d-8c0d-dd76da1f02a5" xmlns:ns3="16c05727-aa75-4e4a-9b5f-8a80a1165891" xmlns:ns4="230e9df3-be65-4c73-a93b-d1236ebd677e" targetNamespace="http://schemas.microsoft.com/office/2006/metadata/properties" ma:root="true" ma:fieldsID="3b340c7101c92c5120abd06486f94548" ns1:_="" ns2:_="" ns3:_="" ns4:_="">
     <xsd:import namespace="http://schemas.microsoft.com/sharepoint/v3"/>
@@ -14309,15 +14318,6 @@
 </ct:contentTypeSchema>
 </file>
 
-<file path=customXml/item2.xml><?xml version="1.0" encoding="utf-8"?>
-<?mso-contentType ?>
-<FormTemplates xmlns="http://schemas.microsoft.com/sharepoint/v3/contenttype/forms">
-  <Display>DocumentLibraryForm</Display>
-  <Edit>DocumentLibraryForm</Edit>
-  <New>DocumentLibraryForm</New>
-</FormTemplates>
-</file>
-
 <file path=customXml/item3.xml><?xml version="1.0" encoding="utf-8"?>
 <p:properties xmlns:p="http://schemas.microsoft.com/office/2006/metadata/properties" xmlns:xsi="http://www.w3.org/2001/XMLSchema-instance" xmlns:pc="http://schemas.microsoft.com/office/infopath/2007/PartnerControls">
   <documentManagement>
@@ -14339,6 +14339,14 @@
 </file>
 
 <file path=customXml/itemProps1.xml><?xml version="1.0" encoding="utf-8"?>
+<ds:datastoreItem xmlns:ds="http://schemas.openxmlformats.org/officeDocument/2006/customXml" ds:itemID="{328458A3-99B8-4914-89E6-B86ADB0D7DF6}">
+  <ds:schemaRefs>
+    <ds:schemaRef ds:uri="http://schemas.microsoft.com/sharepoint/v3/contenttype/forms"/>
+  </ds:schemaRefs>
+</ds:datastoreItem>
+</file>
+
+<file path=customXml/itemProps2.xml><?xml version="1.0" encoding="utf-8"?>
 <ds:datastoreItem xmlns:ds="http://schemas.openxmlformats.org/officeDocument/2006/customXml" ds:itemID="{19ACF9E2-7979-495A-9F5F-33F2C850074E}">
   <ds:schemaRefs>
     <ds:schemaRef ds:uri="http://schemas.microsoft.com/office/2006/metadata/contentType"/>
@@ -14359,14 +14367,6 @@
 </ds:datastoreItem>
 </file>
 
-<file path=customXml/itemProps2.xml><?xml version="1.0" encoding="utf-8"?>
-<ds:datastoreItem xmlns:ds="http://schemas.openxmlformats.org/officeDocument/2006/customXml" ds:itemID="{328458A3-99B8-4914-89E6-B86ADB0D7DF6}">
-  <ds:schemaRefs>
-    <ds:schemaRef ds:uri="http://schemas.microsoft.com/sharepoint/v3/contenttype/forms"/>
-  </ds:schemaRefs>
-</ds:datastoreItem>
-</file>
-
 <file path=customXml/itemProps3.xml><?xml version="1.0" encoding="utf-8"?>
 <ds:datastoreItem xmlns:ds="http://schemas.openxmlformats.org/officeDocument/2006/customXml" ds:itemID="{966EAEDD-6865-458C-AB5E-1E0979B7BC44}">
   <ds:schemaRefs>
